--- a/pictures/架构图.pptx
+++ b/pictures/架构图.pptx
@@ -6,6 +6,7 @@
   </p:sldMasterIdLst>
   <p:sldIdLst>
     <p:sldId id="256" r:id="rId2"/>
+    <p:sldId id="257" r:id="rId3"/>
   </p:sldIdLst>
   <p:sldSz cx="12192000" cy="6858000"/>
   <p:notesSz cx="6858000" cy="9144000"/>
@@ -104,6 +105,11 @@
       </a:defRPr>
     </a:lvl9pPr>
   </p:defaultTextStyle>
+  <p:extLst>
+    <p:ext uri="{EFAFB233-063F-42B5-8137-9DF3F51BA10A}">
+      <p15:sldGuideLst xmlns:p15="http://schemas.microsoft.com/office/powerpoint/2012/main"/>
+    </p:ext>
+  </p:extLst>
 </p:presentation>
 </file>
 
@@ -5903,6 +5909,1837 @@
 </p:sld>
 </file>
 
+<file path=ppt/slides/slide2.xml><?xml version="1.0" encoding="utf-8"?>
+<p:sld xmlns:a="http://schemas.openxmlformats.org/drawingml/2006/main" xmlns:r="http://schemas.openxmlformats.org/officeDocument/2006/relationships" xmlns:p="http://schemas.openxmlformats.org/presentationml/2006/main">
+  <p:cSld>
+    <p:spTree>
+      <p:nvGrpSpPr>
+        <p:cNvPr id="1" name=""/>
+        <p:cNvGrpSpPr/>
+        <p:nvPr/>
+      </p:nvGrpSpPr>
+      <p:grpSpPr>
+        <a:xfrm>
+          <a:off x="0" y="0"/>
+          <a:ext cx="0" cy="0"/>
+          <a:chOff x="0" y="0"/>
+          <a:chExt cx="0" cy="0"/>
+        </a:xfrm>
+      </p:grpSpPr>
+      <p:grpSp>
+        <p:nvGrpSpPr>
+          <p:cNvPr id="31" name="组合 30"/>
+          <p:cNvGrpSpPr/>
+          <p:nvPr/>
+        </p:nvGrpSpPr>
+        <p:grpSpPr>
+          <a:xfrm>
+            <a:off x="109071" y="307787"/>
+            <a:ext cx="11967882" cy="2850777"/>
+            <a:chOff x="109071" y="307787"/>
+            <a:chExt cx="11967882" cy="2850777"/>
+          </a:xfrm>
+        </p:grpSpPr>
+        <p:sp>
+          <p:nvSpPr>
+            <p:cNvPr id="29" name="圆角矩形 28"/>
+            <p:cNvSpPr/>
+            <p:nvPr/>
+          </p:nvSpPr>
+          <p:spPr>
+            <a:xfrm>
+              <a:off x="109071" y="307787"/>
+              <a:ext cx="11967882" cy="2850777"/>
+            </a:xfrm>
+            <a:prstGeom prst="roundRect">
+              <a:avLst/>
+            </a:prstGeom>
+            <a:solidFill>
+              <a:schemeClr val="accent1">
+                <a:lumMod val="40000"/>
+                <a:lumOff val="60000"/>
+              </a:schemeClr>
+            </a:solidFill>
+            <a:ln>
+              <a:noFill/>
+            </a:ln>
+            <a:effectLst>
+              <a:outerShdw blurRad="50800" dist="38100" dir="2700000" algn="tl" rotWithShape="0">
+                <a:prstClr val="black">
+                  <a:alpha val="40000"/>
+                </a:prstClr>
+              </a:outerShdw>
+            </a:effectLst>
+          </p:spPr>
+          <p:style>
+            <a:lnRef idx="2">
+              <a:schemeClr val="accent1">
+                <a:shade val="50000"/>
+              </a:schemeClr>
+            </a:lnRef>
+            <a:fillRef idx="1">
+              <a:schemeClr val="accent1"/>
+            </a:fillRef>
+            <a:effectRef idx="0">
+              <a:schemeClr val="accent1"/>
+            </a:effectRef>
+            <a:fontRef idx="minor">
+              <a:schemeClr val="lt1"/>
+            </a:fontRef>
+          </p:style>
+          <p:txBody>
+            <a:bodyPr rot="0" spcFirstLastPara="0" vertOverflow="overflow" horzOverflow="overflow" vert="horz" wrap="square" lIns="91440" tIns="45720" rIns="91440" bIns="45720" numCol="1" spcCol="0" rtlCol="0" fromWordArt="0" anchor="ctr" anchorCtr="0" forceAA="0" compatLnSpc="1">
+              <a:prstTxWarp prst="textNoShape">
+                <a:avLst/>
+              </a:prstTxWarp>
+              <a:noAutofit/>
+            </a:bodyPr>
+            <a:lstStyle/>
+            <a:p>
+              <a:pPr algn="ctr"/>
+              <a:endParaRPr lang="zh-CN" altLang="en-US" dirty="0" smtClean="0">
+                <a:latin typeface="Arial Black" panose="020B0A04020102020204" pitchFamily="34" charset="0"/>
+              </a:endParaRPr>
+            </a:p>
+          </p:txBody>
+        </p:sp>
+        <p:sp>
+          <p:nvSpPr>
+            <p:cNvPr id="2" name="圆角矩形 1"/>
+            <p:cNvSpPr/>
+            <p:nvPr/>
+          </p:nvSpPr>
+          <p:spPr>
+            <a:xfrm>
+              <a:off x="109071" y="1446305"/>
+              <a:ext cx="1443318" cy="484094"/>
+            </a:xfrm>
+            <a:prstGeom prst="roundRect">
+              <a:avLst/>
+            </a:prstGeom>
+            <a:solidFill>
+              <a:srgbClr val="9999FF"/>
+            </a:solidFill>
+            <a:ln>
+              <a:noFill/>
+            </a:ln>
+            <a:effectLst>
+              <a:outerShdw blurRad="50800" dist="38100" dir="2700000" algn="tl" rotWithShape="0">
+                <a:prstClr val="black">
+                  <a:alpha val="40000"/>
+                </a:prstClr>
+              </a:outerShdw>
+            </a:effectLst>
+          </p:spPr>
+          <p:style>
+            <a:lnRef idx="2">
+              <a:schemeClr val="accent1">
+                <a:shade val="50000"/>
+              </a:schemeClr>
+            </a:lnRef>
+            <a:fillRef idx="1">
+              <a:schemeClr val="accent1"/>
+            </a:fillRef>
+            <a:effectRef idx="0">
+              <a:schemeClr val="accent1"/>
+            </a:effectRef>
+            <a:fontRef idx="minor">
+              <a:schemeClr val="lt1"/>
+            </a:fontRef>
+          </p:style>
+          <p:txBody>
+            <a:bodyPr rot="0" spcFirstLastPara="0" vertOverflow="overflow" horzOverflow="overflow" vert="horz" wrap="square" lIns="91440" tIns="45720" rIns="91440" bIns="45720" numCol="1" spcCol="0" rtlCol="0" fromWordArt="0" anchor="ctr" anchorCtr="0" forceAA="0" compatLnSpc="1">
+              <a:prstTxWarp prst="textNoShape">
+                <a:avLst/>
+              </a:prstTxWarp>
+              <a:noAutofit/>
+            </a:bodyPr>
+            <a:lstStyle/>
+            <a:p>
+              <a:pPr algn="ctr"/>
+              <a:r>
+                <a:rPr lang="en-US" altLang="zh-CN" dirty="0" smtClean="0">
+                  <a:latin typeface="Arial Black" panose="020B0A04020102020204" pitchFamily="34" charset="0"/>
+                </a:rPr>
+                <a:t>Event G </a:t>
+              </a:r>
+              <a:endParaRPr lang="zh-CN" altLang="en-US" dirty="0" smtClean="0">
+                <a:latin typeface="Arial Black" panose="020B0A04020102020204" pitchFamily="34" charset="0"/>
+              </a:endParaRPr>
+            </a:p>
+          </p:txBody>
+        </p:sp>
+        <p:sp>
+          <p:nvSpPr>
+            <p:cNvPr id="3" name="圆角矩形 2"/>
+            <p:cNvSpPr/>
+            <p:nvPr/>
+          </p:nvSpPr>
+          <p:spPr>
+            <a:xfrm>
+              <a:off x="1829050" y="1491129"/>
+              <a:ext cx="1443318" cy="484094"/>
+            </a:xfrm>
+            <a:prstGeom prst="roundRect">
+              <a:avLst/>
+            </a:prstGeom>
+            <a:solidFill>
+              <a:srgbClr val="FF9999"/>
+            </a:solidFill>
+            <a:ln>
+              <a:noFill/>
+            </a:ln>
+            <a:effectLst>
+              <a:outerShdw blurRad="50800" dist="38100" dir="2700000" algn="tl" rotWithShape="0">
+                <a:prstClr val="black">
+                  <a:alpha val="40000"/>
+                </a:prstClr>
+              </a:outerShdw>
+            </a:effectLst>
+          </p:spPr>
+          <p:style>
+            <a:lnRef idx="2">
+              <a:schemeClr val="accent1">
+                <a:shade val="50000"/>
+              </a:schemeClr>
+            </a:lnRef>
+            <a:fillRef idx="1">
+              <a:schemeClr val="accent1"/>
+            </a:fillRef>
+            <a:effectRef idx="0">
+              <a:schemeClr val="accent1"/>
+            </a:effectRef>
+            <a:fontRef idx="minor">
+              <a:schemeClr val="lt1"/>
+            </a:fontRef>
+          </p:style>
+          <p:txBody>
+            <a:bodyPr rot="0" spcFirstLastPara="0" vertOverflow="overflow" horzOverflow="overflow" vert="horz" wrap="square" lIns="91440" tIns="45720" rIns="91440" bIns="45720" numCol="1" spcCol="0" rtlCol="0" fromWordArt="0" anchor="ctr" anchorCtr="0" forceAA="0" compatLnSpc="1">
+              <a:prstTxWarp prst="textNoShape">
+                <a:avLst/>
+              </a:prstTxWarp>
+              <a:noAutofit/>
+            </a:bodyPr>
+            <a:lstStyle/>
+            <a:p>
+              <a:pPr algn="ctr"/>
+              <a:r>
+                <a:rPr lang="en-US" altLang="zh-CN" dirty="0" smtClean="0">
+                  <a:latin typeface="Arial Black" panose="020B0A04020102020204" pitchFamily="34" charset="0"/>
+                </a:rPr>
+                <a:t>Event F</a:t>
+              </a:r>
+              <a:endParaRPr lang="zh-CN" altLang="en-US" dirty="0" smtClean="0">
+                <a:latin typeface="Arial Black" panose="020B0A04020102020204" pitchFamily="34" charset="0"/>
+              </a:endParaRPr>
+            </a:p>
+          </p:txBody>
+        </p:sp>
+        <p:sp>
+          <p:nvSpPr>
+            <p:cNvPr id="4" name="圆角矩形 3"/>
+            <p:cNvSpPr/>
+            <p:nvPr/>
+          </p:nvSpPr>
+          <p:spPr>
+            <a:xfrm>
+              <a:off x="3549029" y="1491129"/>
+              <a:ext cx="1443318" cy="484094"/>
+            </a:xfrm>
+            <a:prstGeom prst="roundRect">
+              <a:avLst/>
+            </a:prstGeom>
+            <a:solidFill>
+              <a:srgbClr val="FF9999"/>
+            </a:solidFill>
+            <a:ln>
+              <a:noFill/>
+            </a:ln>
+            <a:effectLst>
+              <a:outerShdw blurRad="50800" dist="38100" dir="2700000" algn="tl" rotWithShape="0">
+                <a:prstClr val="black">
+                  <a:alpha val="40000"/>
+                </a:prstClr>
+              </a:outerShdw>
+            </a:effectLst>
+          </p:spPr>
+          <p:style>
+            <a:lnRef idx="2">
+              <a:schemeClr val="accent1">
+                <a:shade val="50000"/>
+              </a:schemeClr>
+            </a:lnRef>
+            <a:fillRef idx="1">
+              <a:schemeClr val="accent1"/>
+            </a:fillRef>
+            <a:effectRef idx="0">
+              <a:schemeClr val="accent1"/>
+            </a:effectRef>
+            <a:fontRef idx="minor">
+              <a:schemeClr val="lt1"/>
+            </a:fontRef>
+          </p:style>
+          <p:txBody>
+            <a:bodyPr rot="0" spcFirstLastPara="0" vertOverflow="overflow" horzOverflow="overflow" vert="horz" wrap="square" lIns="91440" tIns="45720" rIns="91440" bIns="45720" numCol="1" spcCol="0" rtlCol="0" fromWordArt="0" anchor="ctr" anchorCtr="0" forceAA="0" compatLnSpc="1">
+              <a:prstTxWarp prst="textNoShape">
+                <a:avLst/>
+              </a:prstTxWarp>
+              <a:noAutofit/>
+            </a:bodyPr>
+            <a:lstStyle/>
+            <a:p>
+              <a:pPr algn="ctr"/>
+              <a:r>
+                <a:rPr lang="en-US" altLang="zh-CN" dirty="0" smtClean="0">
+                  <a:latin typeface="Arial Black" panose="020B0A04020102020204" pitchFamily="34" charset="0"/>
+                </a:rPr>
+                <a:t>Event E</a:t>
+              </a:r>
+              <a:endParaRPr lang="zh-CN" altLang="en-US" dirty="0" smtClean="0">
+                <a:latin typeface="Arial Black" panose="020B0A04020102020204" pitchFamily="34" charset="0"/>
+              </a:endParaRPr>
+            </a:p>
+          </p:txBody>
+        </p:sp>
+        <p:sp>
+          <p:nvSpPr>
+            <p:cNvPr id="5" name="圆角矩形 4"/>
+            <p:cNvSpPr/>
+            <p:nvPr/>
+          </p:nvSpPr>
+          <p:spPr>
+            <a:xfrm>
+              <a:off x="5269008" y="1491129"/>
+              <a:ext cx="1443318" cy="484094"/>
+            </a:xfrm>
+            <a:prstGeom prst="roundRect">
+              <a:avLst/>
+            </a:prstGeom>
+            <a:solidFill>
+              <a:srgbClr val="FFC000"/>
+            </a:solidFill>
+            <a:ln>
+              <a:noFill/>
+            </a:ln>
+            <a:effectLst>
+              <a:outerShdw blurRad="50800" dist="38100" dir="2700000" algn="tl" rotWithShape="0">
+                <a:prstClr val="black">
+                  <a:alpha val="40000"/>
+                </a:prstClr>
+              </a:outerShdw>
+            </a:effectLst>
+          </p:spPr>
+          <p:style>
+            <a:lnRef idx="2">
+              <a:schemeClr val="accent1">
+                <a:shade val="50000"/>
+              </a:schemeClr>
+            </a:lnRef>
+            <a:fillRef idx="1">
+              <a:schemeClr val="accent1"/>
+            </a:fillRef>
+            <a:effectRef idx="0">
+              <a:schemeClr val="accent1"/>
+            </a:effectRef>
+            <a:fontRef idx="minor">
+              <a:schemeClr val="lt1"/>
+            </a:fontRef>
+          </p:style>
+          <p:txBody>
+            <a:bodyPr rot="0" spcFirstLastPara="0" vertOverflow="overflow" horzOverflow="overflow" vert="horz" wrap="square" lIns="91440" tIns="45720" rIns="91440" bIns="45720" numCol="1" spcCol="0" rtlCol="0" fromWordArt="0" anchor="ctr" anchorCtr="0" forceAA="0" compatLnSpc="1">
+              <a:prstTxWarp prst="textNoShape">
+                <a:avLst/>
+              </a:prstTxWarp>
+              <a:noAutofit/>
+            </a:bodyPr>
+            <a:lstStyle/>
+            <a:p>
+              <a:pPr algn="ctr"/>
+              <a:r>
+                <a:rPr lang="en-US" altLang="zh-CN" dirty="0" smtClean="0">
+                  <a:latin typeface="Arial Black" panose="020B0A04020102020204" pitchFamily="34" charset="0"/>
+                </a:rPr>
+                <a:t>Event D</a:t>
+              </a:r>
+              <a:endParaRPr lang="zh-CN" altLang="en-US" dirty="0" smtClean="0">
+                <a:latin typeface="Arial Black" panose="020B0A04020102020204" pitchFamily="34" charset="0"/>
+              </a:endParaRPr>
+            </a:p>
+          </p:txBody>
+        </p:sp>
+        <p:sp>
+          <p:nvSpPr>
+            <p:cNvPr id="6" name="圆角矩形 5"/>
+            <p:cNvSpPr/>
+            <p:nvPr/>
+          </p:nvSpPr>
+          <p:spPr>
+            <a:xfrm>
+              <a:off x="6988987" y="1491129"/>
+              <a:ext cx="1443318" cy="484094"/>
+            </a:xfrm>
+            <a:prstGeom prst="roundRect">
+              <a:avLst/>
+            </a:prstGeom>
+            <a:solidFill>
+              <a:srgbClr val="FFC000"/>
+            </a:solidFill>
+            <a:ln>
+              <a:noFill/>
+            </a:ln>
+            <a:effectLst>
+              <a:outerShdw blurRad="50800" dist="38100" dir="2700000" algn="tl" rotWithShape="0">
+                <a:prstClr val="black">
+                  <a:alpha val="40000"/>
+                </a:prstClr>
+              </a:outerShdw>
+            </a:effectLst>
+          </p:spPr>
+          <p:style>
+            <a:lnRef idx="2">
+              <a:schemeClr val="accent1">
+                <a:shade val="50000"/>
+              </a:schemeClr>
+            </a:lnRef>
+            <a:fillRef idx="1">
+              <a:schemeClr val="accent1"/>
+            </a:fillRef>
+            <a:effectRef idx="0">
+              <a:schemeClr val="accent1"/>
+            </a:effectRef>
+            <a:fontRef idx="minor">
+              <a:schemeClr val="lt1"/>
+            </a:fontRef>
+          </p:style>
+          <p:txBody>
+            <a:bodyPr rot="0" spcFirstLastPara="0" vertOverflow="overflow" horzOverflow="overflow" vert="horz" wrap="square" lIns="91440" tIns="45720" rIns="91440" bIns="45720" numCol="1" spcCol="0" rtlCol="0" fromWordArt="0" anchor="ctr" anchorCtr="0" forceAA="0" compatLnSpc="1">
+              <a:prstTxWarp prst="textNoShape">
+                <a:avLst/>
+              </a:prstTxWarp>
+              <a:noAutofit/>
+            </a:bodyPr>
+            <a:lstStyle/>
+            <a:p>
+              <a:pPr algn="ctr"/>
+              <a:r>
+                <a:rPr lang="en-US" altLang="zh-CN" dirty="0" smtClean="0">
+                  <a:latin typeface="Arial Black" panose="020B0A04020102020204" pitchFamily="34" charset="0"/>
+                </a:rPr>
+                <a:t>Event C</a:t>
+              </a:r>
+              <a:endParaRPr lang="zh-CN" altLang="en-US" dirty="0" smtClean="0">
+                <a:latin typeface="Arial Black" panose="020B0A04020102020204" pitchFamily="34" charset="0"/>
+              </a:endParaRPr>
+            </a:p>
+          </p:txBody>
+        </p:sp>
+        <p:sp>
+          <p:nvSpPr>
+            <p:cNvPr id="7" name="圆角矩形 6"/>
+            <p:cNvSpPr/>
+            <p:nvPr/>
+          </p:nvSpPr>
+          <p:spPr>
+            <a:xfrm>
+              <a:off x="8708966" y="1491129"/>
+              <a:ext cx="1443318" cy="484094"/>
+            </a:xfrm>
+            <a:prstGeom prst="roundRect">
+              <a:avLst/>
+            </a:prstGeom>
+            <a:solidFill>
+              <a:schemeClr val="accent6"/>
+            </a:solidFill>
+            <a:ln>
+              <a:noFill/>
+            </a:ln>
+            <a:effectLst>
+              <a:outerShdw blurRad="50800" dist="38100" dir="2700000" algn="tl" rotWithShape="0">
+                <a:prstClr val="black">
+                  <a:alpha val="40000"/>
+                </a:prstClr>
+              </a:outerShdw>
+            </a:effectLst>
+          </p:spPr>
+          <p:style>
+            <a:lnRef idx="2">
+              <a:schemeClr val="accent1">
+                <a:shade val="50000"/>
+              </a:schemeClr>
+            </a:lnRef>
+            <a:fillRef idx="1">
+              <a:schemeClr val="accent1"/>
+            </a:fillRef>
+            <a:effectRef idx="0">
+              <a:schemeClr val="accent1"/>
+            </a:effectRef>
+            <a:fontRef idx="minor">
+              <a:schemeClr val="lt1"/>
+            </a:fontRef>
+          </p:style>
+          <p:txBody>
+            <a:bodyPr rot="0" spcFirstLastPara="0" vertOverflow="overflow" horzOverflow="overflow" vert="horz" wrap="square" lIns="91440" tIns="45720" rIns="91440" bIns="45720" numCol="1" spcCol="0" rtlCol="0" fromWordArt="0" anchor="ctr" anchorCtr="0" forceAA="0" compatLnSpc="1">
+              <a:prstTxWarp prst="textNoShape">
+                <a:avLst/>
+              </a:prstTxWarp>
+              <a:noAutofit/>
+            </a:bodyPr>
+            <a:lstStyle/>
+            <a:p>
+              <a:pPr algn="ctr"/>
+              <a:r>
+                <a:rPr lang="en-US" altLang="zh-CN" dirty="0" smtClean="0">
+                  <a:latin typeface="Arial Black" panose="020B0A04020102020204" pitchFamily="34" charset="0"/>
+                </a:rPr>
+                <a:t>Event B</a:t>
+              </a:r>
+              <a:endParaRPr lang="zh-CN" altLang="en-US" dirty="0" smtClean="0">
+                <a:latin typeface="Arial Black" panose="020B0A04020102020204" pitchFamily="34" charset="0"/>
+              </a:endParaRPr>
+            </a:p>
+          </p:txBody>
+        </p:sp>
+        <p:sp>
+          <p:nvSpPr>
+            <p:cNvPr id="8" name="圆角矩形 7"/>
+            <p:cNvSpPr/>
+            <p:nvPr/>
+          </p:nvSpPr>
+          <p:spPr>
+            <a:xfrm>
+              <a:off x="10428945" y="1491129"/>
+              <a:ext cx="1443318" cy="484094"/>
+            </a:xfrm>
+            <a:prstGeom prst="roundRect">
+              <a:avLst/>
+            </a:prstGeom>
+            <a:solidFill>
+              <a:schemeClr val="accent6"/>
+            </a:solidFill>
+            <a:ln>
+              <a:noFill/>
+            </a:ln>
+            <a:effectLst>
+              <a:outerShdw blurRad="50800" dist="38100" dir="2700000" algn="tl" rotWithShape="0">
+                <a:prstClr val="black">
+                  <a:alpha val="40000"/>
+                </a:prstClr>
+              </a:outerShdw>
+            </a:effectLst>
+          </p:spPr>
+          <p:style>
+            <a:lnRef idx="2">
+              <a:schemeClr val="accent1">
+                <a:shade val="50000"/>
+              </a:schemeClr>
+            </a:lnRef>
+            <a:fillRef idx="1">
+              <a:schemeClr val="accent1"/>
+            </a:fillRef>
+            <a:effectRef idx="0">
+              <a:schemeClr val="accent1"/>
+            </a:effectRef>
+            <a:fontRef idx="minor">
+              <a:schemeClr val="lt1"/>
+            </a:fontRef>
+          </p:style>
+          <p:txBody>
+            <a:bodyPr rot="0" spcFirstLastPara="0" vertOverflow="overflow" horzOverflow="overflow" vert="horz" wrap="square" lIns="91440" tIns="45720" rIns="91440" bIns="45720" numCol="1" spcCol="0" rtlCol="0" fromWordArt="0" anchor="ctr" anchorCtr="0" forceAA="0" compatLnSpc="1">
+              <a:prstTxWarp prst="textNoShape">
+                <a:avLst/>
+              </a:prstTxWarp>
+              <a:noAutofit/>
+            </a:bodyPr>
+            <a:lstStyle/>
+            <a:p>
+              <a:pPr algn="ctr"/>
+              <a:r>
+                <a:rPr lang="en-US" altLang="zh-CN" dirty="0" smtClean="0">
+                  <a:latin typeface="Arial Black" panose="020B0A04020102020204" pitchFamily="34" charset="0"/>
+                </a:rPr>
+                <a:t>Event A</a:t>
+              </a:r>
+              <a:endParaRPr lang="zh-CN" altLang="en-US" dirty="0" smtClean="0">
+                <a:latin typeface="Arial Black" panose="020B0A04020102020204" pitchFamily="34" charset="0"/>
+              </a:endParaRPr>
+            </a:p>
+          </p:txBody>
+        </p:sp>
+        <p:cxnSp>
+          <p:nvCxnSpPr>
+            <p:cNvPr id="11" name="直接箭头连接符 10"/>
+            <p:cNvCxnSpPr/>
+            <p:nvPr/>
+          </p:nvCxnSpPr>
+          <p:spPr>
+            <a:xfrm>
+              <a:off x="487086" y="2280024"/>
+              <a:ext cx="11385177" cy="0"/>
+            </a:xfrm>
+            <a:prstGeom prst="straightConnector1">
+              <a:avLst/>
+            </a:prstGeom>
+            <a:ln w="57150">
+              <a:solidFill>
+                <a:schemeClr val="tx1"/>
+              </a:solidFill>
+              <a:prstDash val="dash"/>
+              <a:headEnd type="none" w="med" len="lg"/>
+              <a:tailEnd type="triangle"/>
+            </a:ln>
+          </p:spPr>
+          <p:style>
+            <a:lnRef idx="1">
+              <a:schemeClr val="accent1"/>
+            </a:lnRef>
+            <a:fillRef idx="0">
+              <a:schemeClr val="accent1"/>
+            </a:fillRef>
+            <a:effectRef idx="0">
+              <a:schemeClr val="accent1"/>
+            </a:effectRef>
+            <a:fontRef idx="minor">
+              <a:schemeClr val="tx1"/>
+            </a:fontRef>
+          </p:style>
+        </p:cxnSp>
+        <p:grpSp>
+          <p:nvGrpSpPr>
+            <p:cNvPr id="16" name="组合 15"/>
+            <p:cNvGrpSpPr/>
+            <p:nvPr/>
+          </p:nvGrpSpPr>
+          <p:grpSpPr>
+            <a:xfrm>
+              <a:off x="7710646" y="626505"/>
+              <a:ext cx="2182654" cy="1124600"/>
+              <a:chOff x="7736046" y="1896505"/>
+              <a:chExt cx="2182654" cy="1124600"/>
+            </a:xfrm>
+          </p:grpSpPr>
+          <p:cxnSp>
+            <p:nvCxnSpPr>
+              <p:cNvPr id="13" name="直接连接符 12"/>
+              <p:cNvCxnSpPr/>
+              <p:nvPr/>
+            </p:nvCxnSpPr>
+            <p:spPr>
+              <a:xfrm>
+                <a:off x="8601140" y="2339788"/>
+                <a:ext cx="0" cy="681317"/>
+              </a:xfrm>
+              <a:prstGeom prst="line">
+                <a:avLst/>
+              </a:prstGeom>
+              <a:ln w="31750">
+                <a:solidFill>
+                  <a:schemeClr val="tx1"/>
+                </a:solidFill>
+                <a:prstDash val="dash"/>
+                <a:headEnd type="none" w="med" len="lg"/>
+                <a:tailEnd type="triangle" w="lg" len="lg"/>
+              </a:ln>
+            </p:spPr>
+            <p:style>
+              <a:lnRef idx="1">
+                <a:schemeClr val="accent1"/>
+              </a:lnRef>
+              <a:fillRef idx="0">
+                <a:schemeClr val="accent1"/>
+              </a:fillRef>
+              <a:effectRef idx="0">
+                <a:schemeClr val="accent1"/>
+              </a:effectRef>
+              <a:fontRef idx="minor">
+                <a:schemeClr val="tx1"/>
+              </a:fontRef>
+            </p:style>
+          </p:cxnSp>
+          <p:sp>
+            <p:nvSpPr>
+              <p:cNvPr id="15" name="文本框 14"/>
+              <p:cNvSpPr txBox="1"/>
+              <p:nvPr/>
+            </p:nvSpPr>
+            <p:spPr>
+              <a:xfrm>
+                <a:off x="7736046" y="1896505"/>
+                <a:ext cx="2182654" cy="400110"/>
+              </a:xfrm>
+              <a:prstGeom prst="rect">
+                <a:avLst/>
+              </a:prstGeom>
+              <a:noFill/>
+            </p:spPr>
+            <p:txBody>
+              <a:bodyPr wrap="square" rtlCol="0">
+                <a:spAutoFit/>
+              </a:bodyPr>
+              <a:lstStyle/>
+              <a:p>
+                <a:r>
+                  <a:rPr lang="en-US" altLang="zh-CN" sz="2000" dirty="0" smtClean="0">
+                    <a:latin typeface="Arial Black" panose="020B0A04020102020204" pitchFamily="34" charset="0"/>
+                  </a:rPr>
+                  <a:t>Checkpoint 1</a:t>
+                </a:r>
+                <a:endParaRPr lang="zh-CN" altLang="en-US" sz="2000" dirty="0" smtClean="0">
+                  <a:latin typeface="Arial Black" panose="020B0A04020102020204" pitchFamily="34" charset="0"/>
+                </a:endParaRPr>
+              </a:p>
+            </p:txBody>
+          </p:sp>
+        </p:grpSp>
+        <p:grpSp>
+          <p:nvGrpSpPr>
+            <p:cNvPr id="28" name="组合 27"/>
+            <p:cNvGrpSpPr/>
+            <p:nvPr/>
+          </p:nvGrpSpPr>
+          <p:grpSpPr>
+            <a:xfrm>
+              <a:off x="4270686" y="626505"/>
+              <a:ext cx="2333313" cy="1124600"/>
+              <a:chOff x="4296086" y="1896505"/>
+              <a:chExt cx="2333313" cy="1124600"/>
+            </a:xfrm>
+          </p:grpSpPr>
+          <p:cxnSp>
+            <p:nvCxnSpPr>
+              <p:cNvPr id="18" name="直接连接符 17"/>
+              <p:cNvCxnSpPr/>
+              <p:nvPr/>
+            </p:nvCxnSpPr>
+            <p:spPr>
+              <a:xfrm>
+                <a:off x="5161181" y="2339788"/>
+                <a:ext cx="0" cy="681317"/>
+              </a:xfrm>
+              <a:prstGeom prst="line">
+                <a:avLst/>
+              </a:prstGeom>
+              <a:ln w="31750">
+                <a:solidFill>
+                  <a:schemeClr val="tx1"/>
+                </a:solidFill>
+                <a:prstDash val="dash"/>
+                <a:headEnd type="none" w="med" len="lg"/>
+                <a:tailEnd type="triangle" w="lg" len="lg"/>
+              </a:ln>
+            </p:spPr>
+            <p:style>
+              <a:lnRef idx="1">
+                <a:schemeClr val="accent1"/>
+              </a:lnRef>
+              <a:fillRef idx="0">
+                <a:schemeClr val="accent1"/>
+              </a:fillRef>
+              <a:effectRef idx="0">
+                <a:schemeClr val="accent1"/>
+              </a:effectRef>
+              <a:fontRef idx="minor">
+                <a:schemeClr val="tx1"/>
+              </a:fontRef>
+            </p:style>
+          </p:cxnSp>
+          <p:sp>
+            <p:nvSpPr>
+              <p:cNvPr id="19" name="文本框 18"/>
+              <p:cNvSpPr txBox="1"/>
+              <p:nvPr/>
+            </p:nvSpPr>
+            <p:spPr>
+              <a:xfrm>
+                <a:off x="4296086" y="1896505"/>
+                <a:ext cx="2333313" cy="400110"/>
+              </a:xfrm>
+              <a:prstGeom prst="rect">
+                <a:avLst/>
+              </a:prstGeom>
+              <a:noFill/>
+            </p:spPr>
+            <p:txBody>
+              <a:bodyPr wrap="square" rtlCol="0">
+                <a:spAutoFit/>
+              </a:bodyPr>
+              <a:lstStyle/>
+              <a:p>
+                <a:r>
+                  <a:rPr lang="en-US" altLang="zh-CN" sz="2000" dirty="0" smtClean="0">
+                    <a:latin typeface="Arial Black" panose="020B0A04020102020204" pitchFamily="34" charset="0"/>
+                  </a:rPr>
+                  <a:t>Checkpoint 2</a:t>
+                </a:r>
+                <a:endParaRPr lang="zh-CN" altLang="en-US" sz="2000" dirty="0" smtClean="0">
+                  <a:latin typeface="Arial Black" panose="020B0A04020102020204" pitchFamily="34" charset="0"/>
+                </a:endParaRPr>
+              </a:p>
+            </p:txBody>
+          </p:sp>
+        </p:grpSp>
+        <p:sp>
+          <p:nvSpPr>
+            <p:cNvPr id="27" name="文本框 26"/>
+            <p:cNvSpPr txBox="1"/>
+            <p:nvPr/>
+          </p:nvSpPr>
+          <p:spPr>
+            <a:xfrm>
+              <a:off x="6174690" y="2574068"/>
+              <a:ext cx="1628593" cy="400110"/>
+            </a:xfrm>
+            <a:prstGeom prst="rect">
+              <a:avLst/>
+            </a:prstGeom>
+            <a:noFill/>
+          </p:spPr>
+          <p:txBody>
+            <a:bodyPr wrap="square" rtlCol="0">
+              <a:spAutoFit/>
+            </a:bodyPr>
+            <a:lstStyle/>
+            <a:p>
+              <a:r>
+                <a:rPr lang="en-US" altLang="zh-CN" sz="2000" dirty="0" smtClean="0">
+                  <a:solidFill>
+                    <a:srgbClr val="FF0000"/>
+                  </a:solidFill>
+                  <a:latin typeface="Arial Black" panose="020B0A04020102020204" pitchFamily="34" charset="0"/>
+                </a:rPr>
+                <a:t>shutdown</a:t>
+              </a:r>
+              <a:endParaRPr lang="zh-CN" altLang="en-US" sz="2000" dirty="0" smtClean="0">
+                <a:solidFill>
+                  <a:srgbClr val="FF0000"/>
+                </a:solidFill>
+                <a:latin typeface="Arial Black" panose="020B0A04020102020204" pitchFamily="34" charset="0"/>
+              </a:endParaRPr>
+            </a:p>
+          </p:txBody>
+        </p:sp>
+        <p:grpSp>
+          <p:nvGrpSpPr>
+            <p:cNvPr id="20" name="组合 19"/>
+            <p:cNvGrpSpPr/>
+            <p:nvPr/>
+          </p:nvGrpSpPr>
+          <p:grpSpPr>
+            <a:xfrm>
+              <a:off x="830729" y="626505"/>
+              <a:ext cx="2333309" cy="1124600"/>
+              <a:chOff x="7736045" y="1896505"/>
+              <a:chExt cx="2333309" cy="1124600"/>
+            </a:xfrm>
+          </p:grpSpPr>
+          <p:cxnSp>
+            <p:nvCxnSpPr>
+              <p:cNvPr id="21" name="直接连接符 20"/>
+              <p:cNvCxnSpPr/>
+              <p:nvPr/>
+            </p:nvCxnSpPr>
+            <p:spPr>
+              <a:xfrm>
+                <a:off x="8601140" y="2339788"/>
+                <a:ext cx="0" cy="681317"/>
+              </a:xfrm>
+              <a:prstGeom prst="line">
+                <a:avLst/>
+              </a:prstGeom>
+              <a:ln w="31750">
+                <a:solidFill>
+                  <a:schemeClr val="tx1"/>
+                </a:solidFill>
+                <a:prstDash val="dash"/>
+                <a:headEnd type="none" w="med" len="lg"/>
+                <a:tailEnd type="triangle" w="lg" len="lg"/>
+              </a:ln>
+            </p:spPr>
+            <p:style>
+              <a:lnRef idx="1">
+                <a:schemeClr val="accent1"/>
+              </a:lnRef>
+              <a:fillRef idx="0">
+                <a:schemeClr val="accent1"/>
+              </a:fillRef>
+              <a:effectRef idx="0">
+                <a:schemeClr val="accent1"/>
+              </a:effectRef>
+              <a:fontRef idx="minor">
+                <a:schemeClr val="tx1"/>
+              </a:fontRef>
+            </p:style>
+          </p:cxnSp>
+          <p:sp>
+            <p:nvSpPr>
+              <p:cNvPr id="22" name="文本框 21"/>
+              <p:cNvSpPr txBox="1"/>
+              <p:nvPr/>
+            </p:nvSpPr>
+            <p:spPr>
+              <a:xfrm>
+                <a:off x="7736045" y="1896505"/>
+                <a:ext cx="2333309" cy="400110"/>
+              </a:xfrm>
+              <a:prstGeom prst="rect">
+                <a:avLst/>
+              </a:prstGeom>
+              <a:noFill/>
+            </p:spPr>
+            <p:txBody>
+              <a:bodyPr wrap="square" rtlCol="0">
+                <a:spAutoFit/>
+              </a:bodyPr>
+              <a:lstStyle/>
+              <a:p>
+                <a:r>
+                  <a:rPr lang="en-US" altLang="zh-CN" sz="2000" dirty="0" smtClean="0">
+                    <a:latin typeface="Arial Black" panose="020B0A04020102020204" pitchFamily="34" charset="0"/>
+                  </a:rPr>
+                  <a:t>Checkpoint 3</a:t>
+                </a:r>
+                <a:endParaRPr lang="zh-CN" altLang="en-US" sz="2000" dirty="0" smtClean="0">
+                  <a:latin typeface="Arial Black" panose="020B0A04020102020204" pitchFamily="34" charset="0"/>
+                </a:endParaRPr>
+              </a:p>
+            </p:txBody>
+          </p:sp>
+        </p:grpSp>
+        <p:cxnSp>
+          <p:nvCxnSpPr>
+            <p:cNvPr id="24" name="直接箭头连接符 23"/>
+            <p:cNvCxnSpPr/>
+            <p:nvPr/>
+          </p:nvCxnSpPr>
+          <p:spPr>
+            <a:xfrm flipH="1" flipV="1">
+              <a:off x="6868715" y="1930400"/>
+              <a:ext cx="12376" cy="575534"/>
+            </a:xfrm>
+            <a:prstGeom prst="straightConnector1">
+              <a:avLst/>
+            </a:prstGeom>
+            <a:ln w="31750" cmpd="sng">
+              <a:solidFill>
+                <a:srgbClr val="FF0000"/>
+              </a:solidFill>
+              <a:prstDash val="solid"/>
+              <a:headEnd type="none" w="med" len="lg"/>
+              <a:tailEnd type="triangle" w="lg" len="lg"/>
+            </a:ln>
+          </p:spPr>
+          <p:style>
+            <a:lnRef idx="1">
+              <a:schemeClr val="accent1"/>
+            </a:lnRef>
+            <a:fillRef idx="0">
+              <a:schemeClr val="accent1"/>
+            </a:fillRef>
+            <a:effectRef idx="0">
+              <a:schemeClr val="accent1"/>
+            </a:effectRef>
+            <a:fontRef idx="minor">
+              <a:schemeClr val="tx1"/>
+            </a:fontRef>
+          </p:style>
+        </p:cxnSp>
+        <p:sp>
+          <p:nvSpPr>
+            <p:cNvPr id="30" name="文本框 29"/>
+            <p:cNvSpPr txBox="1"/>
+            <p:nvPr/>
+          </p:nvSpPr>
+          <p:spPr>
+            <a:xfrm>
+              <a:off x="10536521" y="364895"/>
+              <a:ext cx="1433108" cy="523220"/>
+            </a:xfrm>
+            <a:prstGeom prst="rect">
+              <a:avLst/>
+            </a:prstGeom>
+            <a:noFill/>
+          </p:spPr>
+          <p:txBody>
+            <a:bodyPr wrap="square" rtlCol="0">
+              <a:spAutoFit/>
+            </a:bodyPr>
+            <a:lstStyle/>
+            <a:p>
+              <a:r>
+                <a:rPr lang="zh-CN" altLang="en-US" sz="2800" b="1" i="1" dirty="0">
+                  <a:solidFill>
+                    <a:srgbClr val="FF5050"/>
+                  </a:solidFill>
+                  <a:latin typeface="微软雅黑" panose="020B0503020204020204" pitchFamily="34" charset="-122"/>
+                  <a:ea typeface="微软雅黑" panose="020B0503020204020204" pitchFamily="34" charset="-122"/>
+                </a:rPr>
+                <a:t>故障前</a:t>
+              </a:r>
+              <a:endParaRPr lang="zh-CN" altLang="en-US" sz="2800" b="1" i="1" dirty="0" smtClean="0">
+                <a:solidFill>
+                  <a:srgbClr val="FF5050"/>
+                </a:solidFill>
+                <a:latin typeface="微软雅黑" panose="020B0503020204020204" pitchFamily="34" charset="-122"/>
+                <a:ea typeface="微软雅黑" panose="020B0503020204020204" pitchFamily="34" charset="-122"/>
+              </a:endParaRPr>
+            </a:p>
+          </p:txBody>
+        </p:sp>
+      </p:grpSp>
+      <p:grpSp>
+        <p:nvGrpSpPr>
+          <p:cNvPr id="32" name="组合 31"/>
+          <p:cNvGrpSpPr/>
+          <p:nvPr/>
+        </p:nvGrpSpPr>
+        <p:grpSpPr>
+          <a:xfrm>
+            <a:off x="109071" y="3553012"/>
+            <a:ext cx="11967882" cy="2850777"/>
+            <a:chOff x="109071" y="307787"/>
+            <a:chExt cx="11967882" cy="2850777"/>
+          </a:xfrm>
+        </p:grpSpPr>
+        <p:sp>
+          <p:nvSpPr>
+            <p:cNvPr id="33" name="圆角矩形 32"/>
+            <p:cNvSpPr/>
+            <p:nvPr/>
+          </p:nvSpPr>
+          <p:spPr>
+            <a:xfrm>
+              <a:off x="109071" y="307787"/>
+              <a:ext cx="11967882" cy="2850777"/>
+            </a:xfrm>
+            <a:prstGeom prst="roundRect">
+              <a:avLst/>
+            </a:prstGeom>
+            <a:solidFill>
+              <a:schemeClr val="accent1">
+                <a:lumMod val="40000"/>
+                <a:lumOff val="60000"/>
+              </a:schemeClr>
+            </a:solidFill>
+            <a:ln>
+              <a:noFill/>
+            </a:ln>
+            <a:effectLst>
+              <a:outerShdw blurRad="50800" dist="38100" dir="2700000" algn="tl" rotWithShape="0">
+                <a:prstClr val="black">
+                  <a:alpha val="40000"/>
+                </a:prstClr>
+              </a:outerShdw>
+            </a:effectLst>
+          </p:spPr>
+          <p:style>
+            <a:lnRef idx="2">
+              <a:schemeClr val="accent1">
+                <a:shade val="50000"/>
+              </a:schemeClr>
+            </a:lnRef>
+            <a:fillRef idx="1">
+              <a:schemeClr val="accent1"/>
+            </a:fillRef>
+            <a:effectRef idx="0">
+              <a:schemeClr val="accent1"/>
+            </a:effectRef>
+            <a:fontRef idx="minor">
+              <a:schemeClr val="lt1"/>
+            </a:fontRef>
+          </p:style>
+          <p:txBody>
+            <a:bodyPr rot="0" spcFirstLastPara="0" vertOverflow="overflow" horzOverflow="overflow" vert="horz" wrap="square" lIns="91440" tIns="45720" rIns="91440" bIns="45720" numCol="1" spcCol="0" rtlCol="0" fromWordArt="0" anchor="ctr" anchorCtr="0" forceAA="0" compatLnSpc="1">
+              <a:prstTxWarp prst="textNoShape">
+                <a:avLst/>
+              </a:prstTxWarp>
+              <a:noAutofit/>
+            </a:bodyPr>
+            <a:lstStyle/>
+            <a:p>
+              <a:pPr algn="ctr"/>
+              <a:endParaRPr lang="zh-CN" altLang="en-US" dirty="0" smtClean="0">
+                <a:latin typeface="Arial Black" panose="020B0A04020102020204" pitchFamily="34" charset="0"/>
+              </a:endParaRPr>
+            </a:p>
+          </p:txBody>
+        </p:sp>
+        <p:sp>
+          <p:nvSpPr>
+            <p:cNvPr id="34" name="圆角矩形 33"/>
+            <p:cNvSpPr/>
+            <p:nvPr/>
+          </p:nvSpPr>
+          <p:spPr>
+            <a:xfrm>
+              <a:off x="109071" y="1446305"/>
+              <a:ext cx="1443318" cy="484094"/>
+            </a:xfrm>
+            <a:prstGeom prst="roundRect">
+              <a:avLst/>
+            </a:prstGeom>
+            <a:solidFill>
+              <a:srgbClr val="9999FF"/>
+            </a:solidFill>
+            <a:ln>
+              <a:noFill/>
+            </a:ln>
+            <a:effectLst>
+              <a:outerShdw blurRad="50800" dist="38100" dir="2700000" algn="tl" rotWithShape="0">
+                <a:prstClr val="black">
+                  <a:alpha val="40000"/>
+                </a:prstClr>
+              </a:outerShdw>
+            </a:effectLst>
+          </p:spPr>
+          <p:style>
+            <a:lnRef idx="2">
+              <a:schemeClr val="accent1">
+                <a:shade val="50000"/>
+              </a:schemeClr>
+            </a:lnRef>
+            <a:fillRef idx="1">
+              <a:schemeClr val="accent1"/>
+            </a:fillRef>
+            <a:effectRef idx="0">
+              <a:schemeClr val="accent1"/>
+            </a:effectRef>
+            <a:fontRef idx="minor">
+              <a:schemeClr val="lt1"/>
+            </a:fontRef>
+          </p:style>
+          <p:txBody>
+            <a:bodyPr rot="0" spcFirstLastPara="0" vertOverflow="overflow" horzOverflow="overflow" vert="horz" wrap="square" lIns="91440" tIns="45720" rIns="91440" bIns="45720" numCol="1" spcCol="0" rtlCol="0" fromWordArt="0" anchor="ctr" anchorCtr="0" forceAA="0" compatLnSpc="1">
+              <a:prstTxWarp prst="textNoShape">
+                <a:avLst/>
+              </a:prstTxWarp>
+              <a:noAutofit/>
+            </a:bodyPr>
+            <a:lstStyle/>
+            <a:p>
+              <a:pPr algn="ctr"/>
+              <a:r>
+                <a:rPr lang="en-US" altLang="zh-CN" dirty="0" smtClean="0">
+                  <a:latin typeface="Arial Black" panose="020B0A04020102020204" pitchFamily="34" charset="0"/>
+                </a:rPr>
+                <a:t>Event G </a:t>
+              </a:r>
+              <a:endParaRPr lang="zh-CN" altLang="en-US" dirty="0" smtClean="0">
+                <a:latin typeface="Arial Black" panose="020B0A04020102020204" pitchFamily="34" charset="0"/>
+              </a:endParaRPr>
+            </a:p>
+          </p:txBody>
+        </p:sp>
+        <p:sp>
+          <p:nvSpPr>
+            <p:cNvPr id="35" name="圆角矩形 34"/>
+            <p:cNvSpPr/>
+            <p:nvPr/>
+          </p:nvSpPr>
+          <p:spPr>
+            <a:xfrm>
+              <a:off x="1829050" y="1491129"/>
+              <a:ext cx="1443318" cy="484094"/>
+            </a:xfrm>
+            <a:prstGeom prst="roundRect">
+              <a:avLst/>
+            </a:prstGeom>
+            <a:solidFill>
+              <a:srgbClr val="FF9999"/>
+            </a:solidFill>
+            <a:ln>
+              <a:noFill/>
+            </a:ln>
+            <a:effectLst>
+              <a:outerShdw blurRad="50800" dist="38100" dir="2700000" algn="tl" rotWithShape="0">
+                <a:prstClr val="black">
+                  <a:alpha val="40000"/>
+                </a:prstClr>
+              </a:outerShdw>
+            </a:effectLst>
+          </p:spPr>
+          <p:style>
+            <a:lnRef idx="2">
+              <a:schemeClr val="accent1">
+                <a:shade val="50000"/>
+              </a:schemeClr>
+            </a:lnRef>
+            <a:fillRef idx="1">
+              <a:schemeClr val="accent1"/>
+            </a:fillRef>
+            <a:effectRef idx="0">
+              <a:schemeClr val="accent1"/>
+            </a:effectRef>
+            <a:fontRef idx="minor">
+              <a:schemeClr val="lt1"/>
+            </a:fontRef>
+          </p:style>
+          <p:txBody>
+            <a:bodyPr rot="0" spcFirstLastPara="0" vertOverflow="overflow" horzOverflow="overflow" vert="horz" wrap="square" lIns="91440" tIns="45720" rIns="91440" bIns="45720" numCol="1" spcCol="0" rtlCol="0" fromWordArt="0" anchor="ctr" anchorCtr="0" forceAA="0" compatLnSpc="1">
+              <a:prstTxWarp prst="textNoShape">
+                <a:avLst/>
+              </a:prstTxWarp>
+              <a:noAutofit/>
+            </a:bodyPr>
+            <a:lstStyle/>
+            <a:p>
+              <a:pPr algn="ctr"/>
+              <a:r>
+                <a:rPr lang="en-US" altLang="zh-CN" dirty="0" smtClean="0">
+                  <a:latin typeface="Arial Black" panose="020B0A04020102020204" pitchFamily="34" charset="0"/>
+                </a:rPr>
+                <a:t>Event F</a:t>
+              </a:r>
+              <a:endParaRPr lang="zh-CN" altLang="en-US" dirty="0" smtClean="0">
+                <a:latin typeface="Arial Black" panose="020B0A04020102020204" pitchFamily="34" charset="0"/>
+              </a:endParaRPr>
+            </a:p>
+          </p:txBody>
+        </p:sp>
+        <p:sp>
+          <p:nvSpPr>
+            <p:cNvPr id="36" name="圆角矩形 35"/>
+            <p:cNvSpPr/>
+            <p:nvPr/>
+          </p:nvSpPr>
+          <p:spPr>
+            <a:xfrm>
+              <a:off x="3549029" y="1491129"/>
+              <a:ext cx="1443318" cy="484094"/>
+            </a:xfrm>
+            <a:prstGeom prst="roundRect">
+              <a:avLst/>
+            </a:prstGeom>
+            <a:solidFill>
+              <a:srgbClr val="FF9999"/>
+            </a:solidFill>
+            <a:ln>
+              <a:noFill/>
+            </a:ln>
+            <a:effectLst>
+              <a:outerShdw blurRad="50800" dist="38100" dir="2700000" algn="tl" rotWithShape="0">
+                <a:prstClr val="black">
+                  <a:alpha val="40000"/>
+                </a:prstClr>
+              </a:outerShdw>
+            </a:effectLst>
+          </p:spPr>
+          <p:style>
+            <a:lnRef idx="2">
+              <a:schemeClr val="accent1">
+                <a:shade val="50000"/>
+              </a:schemeClr>
+            </a:lnRef>
+            <a:fillRef idx="1">
+              <a:schemeClr val="accent1"/>
+            </a:fillRef>
+            <a:effectRef idx="0">
+              <a:schemeClr val="accent1"/>
+            </a:effectRef>
+            <a:fontRef idx="minor">
+              <a:schemeClr val="lt1"/>
+            </a:fontRef>
+          </p:style>
+          <p:txBody>
+            <a:bodyPr rot="0" spcFirstLastPara="0" vertOverflow="overflow" horzOverflow="overflow" vert="horz" wrap="square" lIns="91440" tIns="45720" rIns="91440" bIns="45720" numCol="1" spcCol="0" rtlCol="0" fromWordArt="0" anchor="ctr" anchorCtr="0" forceAA="0" compatLnSpc="1">
+              <a:prstTxWarp prst="textNoShape">
+                <a:avLst/>
+              </a:prstTxWarp>
+              <a:noAutofit/>
+            </a:bodyPr>
+            <a:lstStyle/>
+            <a:p>
+              <a:pPr algn="ctr"/>
+              <a:r>
+                <a:rPr lang="en-US" altLang="zh-CN" dirty="0" smtClean="0">
+                  <a:latin typeface="Arial Black" panose="020B0A04020102020204" pitchFamily="34" charset="0"/>
+                </a:rPr>
+                <a:t>Event E</a:t>
+              </a:r>
+              <a:endParaRPr lang="zh-CN" altLang="en-US" dirty="0" smtClean="0">
+                <a:latin typeface="Arial Black" panose="020B0A04020102020204" pitchFamily="34" charset="0"/>
+              </a:endParaRPr>
+            </a:p>
+          </p:txBody>
+        </p:sp>
+        <p:sp>
+          <p:nvSpPr>
+            <p:cNvPr id="37" name="圆角矩形 36"/>
+            <p:cNvSpPr/>
+            <p:nvPr/>
+          </p:nvSpPr>
+          <p:spPr>
+            <a:xfrm>
+              <a:off x="5269008" y="1491129"/>
+              <a:ext cx="1443318" cy="484094"/>
+            </a:xfrm>
+            <a:prstGeom prst="roundRect">
+              <a:avLst/>
+            </a:prstGeom>
+            <a:solidFill>
+              <a:srgbClr val="FFC000"/>
+            </a:solidFill>
+            <a:ln>
+              <a:noFill/>
+            </a:ln>
+            <a:effectLst>
+              <a:outerShdw blurRad="50800" dist="38100" dir="2700000" algn="tl" rotWithShape="0">
+                <a:prstClr val="black">
+                  <a:alpha val="40000"/>
+                </a:prstClr>
+              </a:outerShdw>
+            </a:effectLst>
+          </p:spPr>
+          <p:style>
+            <a:lnRef idx="2">
+              <a:schemeClr val="accent1">
+                <a:shade val="50000"/>
+              </a:schemeClr>
+            </a:lnRef>
+            <a:fillRef idx="1">
+              <a:schemeClr val="accent1"/>
+            </a:fillRef>
+            <a:effectRef idx="0">
+              <a:schemeClr val="accent1"/>
+            </a:effectRef>
+            <a:fontRef idx="minor">
+              <a:schemeClr val="lt1"/>
+            </a:fontRef>
+          </p:style>
+          <p:txBody>
+            <a:bodyPr rot="0" spcFirstLastPara="0" vertOverflow="overflow" horzOverflow="overflow" vert="horz" wrap="square" lIns="91440" tIns="45720" rIns="91440" bIns="45720" numCol="1" spcCol="0" rtlCol="0" fromWordArt="0" anchor="ctr" anchorCtr="0" forceAA="0" compatLnSpc="1">
+              <a:prstTxWarp prst="textNoShape">
+                <a:avLst/>
+              </a:prstTxWarp>
+              <a:noAutofit/>
+            </a:bodyPr>
+            <a:lstStyle/>
+            <a:p>
+              <a:pPr algn="ctr"/>
+              <a:r>
+                <a:rPr lang="en-US" altLang="zh-CN" dirty="0" smtClean="0">
+                  <a:latin typeface="Arial Black" panose="020B0A04020102020204" pitchFamily="34" charset="0"/>
+                </a:rPr>
+                <a:t>Event D</a:t>
+              </a:r>
+              <a:endParaRPr lang="zh-CN" altLang="en-US" dirty="0" smtClean="0">
+                <a:latin typeface="Arial Black" panose="020B0A04020102020204" pitchFamily="34" charset="0"/>
+              </a:endParaRPr>
+            </a:p>
+          </p:txBody>
+        </p:sp>
+        <p:sp>
+          <p:nvSpPr>
+            <p:cNvPr id="38" name="圆角矩形 37"/>
+            <p:cNvSpPr/>
+            <p:nvPr/>
+          </p:nvSpPr>
+          <p:spPr>
+            <a:xfrm>
+              <a:off x="6988987" y="1491129"/>
+              <a:ext cx="1443318" cy="484094"/>
+            </a:xfrm>
+            <a:prstGeom prst="roundRect">
+              <a:avLst/>
+            </a:prstGeom>
+            <a:solidFill>
+              <a:srgbClr val="FFC000"/>
+            </a:solidFill>
+            <a:ln>
+              <a:noFill/>
+            </a:ln>
+            <a:effectLst>
+              <a:outerShdw blurRad="50800" dist="38100" dir="2700000" algn="tl" rotWithShape="0">
+                <a:prstClr val="black">
+                  <a:alpha val="40000"/>
+                </a:prstClr>
+              </a:outerShdw>
+            </a:effectLst>
+          </p:spPr>
+          <p:style>
+            <a:lnRef idx="2">
+              <a:schemeClr val="accent1">
+                <a:shade val="50000"/>
+              </a:schemeClr>
+            </a:lnRef>
+            <a:fillRef idx="1">
+              <a:schemeClr val="accent1"/>
+            </a:fillRef>
+            <a:effectRef idx="0">
+              <a:schemeClr val="accent1"/>
+            </a:effectRef>
+            <a:fontRef idx="minor">
+              <a:schemeClr val="lt1"/>
+            </a:fontRef>
+          </p:style>
+          <p:txBody>
+            <a:bodyPr rot="0" spcFirstLastPara="0" vertOverflow="overflow" horzOverflow="overflow" vert="horz" wrap="square" lIns="91440" tIns="45720" rIns="91440" bIns="45720" numCol="1" spcCol="0" rtlCol="0" fromWordArt="0" anchor="ctr" anchorCtr="0" forceAA="0" compatLnSpc="1">
+              <a:prstTxWarp prst="textNoShape">
+                <a:avLst/>
+              </a:prstTxWarp>
+              <a:noAutofit/>
+            </a:bodyPr>
+            <a:lstStyle/>
+            <a:p>
+              <a:pPr algn="ctr"/>
+              <a:r>
+                <a:rPr lang="en-US" altLang="zh-CN" dirty="0" smtClean="0">
+                  <a:latin typeface="Arial Black" panose="020B0A04020102020204" pitchFamily="34" charset="0"/>
+                </a:rPr>
+                <a:t>Event C</a:t>
+              </a:r>
+              <a:endParaRPr lang="zh-CN" altLang="en-US" dirty="0" smtClean="0">
+                <a:latin typeface="Arial Black" panose="020B0A04020102020204" pitchFamily="34" charset="0"/>
+              </a:endParaRPr>
+            </a:p>
+          </p:txBody>
+        </p:sp>
+        <p:cxnSp>
+          <p:nvCxnSpPr>
+            <p:cNvPr id="41" name="直接箭头连接符 40"/>
+            <p:cNvCxnSpPr/>
+            <p:nvPr/>
+          </p:nvCxnSpPr>
+          <p:spPr>
+            <a:xfrm>
+              <a:off x="487086" y="2280024"/>
+              <a:ext cx="11385177" cy="0"/>
+            </a:xfrm>
+            <a:prstGeom prst="straightConnector1">
+              <a:avLst/>
+            </a:prstGeom>
+            <a:ln w="57150">
+              <a:solidFill>
+                <a:schemeClr val="tx1"/>
+              </a:solidFill>
+              <a:prstDash val="dash"/>
+              <a:headEnd type="none" w="med" len="lg"/>
+              <a:tailEnd type="triangle"/>
+            </a:ln>
+          </p:spPr>
+          <p:style>
+            <a:lnRef idx="1">
+              <a:schemeClr val="accent1"/>
+            </a:lnRef>
+            <a:fillRef idx="0">
+              <a:schemeClr val="accent1"/>
+            </a:fillRef>
+            <a:effectRef idx="0">
+              <a:schemeClr val="accent1"/>
+            </a:effectRef>
+            <a:fontRef idx="minor">
+              <a:schemeClr val="tx1"/>
+            </a:fontRef>
+          </p:style>
+        </p:cxnSp>
+        <p:grpSp>
+          <p:nvGrpSpPr>
+            <p:cNvPr id="43" name="组合 42"/>
+            <p:cNvGrpSpPr/>
+            <p:nvPr/>
+          </p:nvGrpSpPr>
+          <p:grpSpPr>
+            <a:xfrm>
+              <a:off x="4270686" y="626505"/>
+              <a:ext cx="2168213" cy="1124600"/>
+              <a:chOff x="4296086" y="1896505"/>
+              <a:chExt cx="2168213" cy="1124600"/>
+            </a:xfrm>
+          </p:grpSpPr>
+          <p:cxnSp>
+            <p:nvCxnSpPr>
+              <p:cNvPr id="50" name="直接连接符 49"/>
+              <p:cNvCxnSpPr/>
+              <p:nvPr/>
+            </p:nvCxnSpPr>
+            <p:spPr>
+              <a:xfrm>
+                <a:off x="5161181" y="2339788"/>
+                <a:ext cx="0" cy="681317"/>
+              </a:xfrm>
+              <a:prstGeom prst="line">
+                <a:avLst/>
+              </a:prstGeom>
+              <a:ln w="31750">
+                <a:solidFill>
+                  <a:schemeClr val="tx1"/>
+                </a:solidFill>
+                <a:prstDash val="dash"/>
+                <a:headEnd type="none" w="med" len="lg"/>
+                <a:tailEnd type="triangle" w="lg" len="lg"/>
+              </a:ln>
+            </p:spPr>
+            <p:style>
+              <a:lnRef idx="1">
+                <a:schemeClr val="accent1"/>
+              </a:lnRef>
+              <a:fillRef idx="0">
+                <a:schemeClr val="accent1"/>
+              </a:fillRef>
+              <a:effectRef idx="0">
+                <a:schemeClr val="accent1"/>
+              </a:effectRef>
+              <a:fontRef idx="minor">
+                <a:schemeClr val="tx1"/>
+              </a:fontRef>
+            </p:style>
+          </p:cxnSp>
+          <p:sp>
+            <p:nvSpPr>
+              <p:cNvPr id="51" name="文本框 50"/>
+              <p:cNvSpPr txBox="1"/>
+              <p:nvPr/>
+            </p:nvSpPr>
+            <p:spPr>
+              <a:xfrm>
+                <a:off x="4296086" y="1896505"/>
+                <a:ext cx="2168213" cy="400110"/>
+              </a:xfrm>
+              <a:prstGeom prst="rect">
+                <a:avLst/>
+              </a:prstGeom>
+              <a:noFill/>
+            </p:spPr>
+            <p:txBody>
+              <a:bodyPr wrap="square" rtlCol="0">
+                <a:spAutoFit/>
+              </a:bodyPr>
+              <a:lstStyle/>
+              <a:p>
+                <a:r>
+                  <a:rPr lang="en-US" altLang="zh-CN" sz="2000" dirty="0" smtClean="0">
+                    <a:latin typeface="Arial Black" panose="020B0A04020102020204" pitchFamily="34" charset="0"/>
+                  </a:rPr>
+                  <a:t>Checkpoint 2</a:t>
+                </a:r>
+                <a:endParaRPr lang="zh-CN" altLang="en-US" sz="2000" dirty="0" smtClean="0">
+                  <a:latin typeface="Arial Black" panose="020B0A04020102020204" pitchFamily="34" charset="0"/>
+                </a:endParaRPr>
+              </a:p>
+            </p:txBody>
+          </p:sp>
+        </p:grpSp>
+        <p:sp>
+          <p:nvSpPr>
+            <p:cNvPr id="44" name="文本框 43"/>
+            <p:cNvSpPr txBox="1"/>
+            <p:nvPr/>
+          </p:nvSpPr>
+          <p:spPr>
+            <a:xfrm>
+              <a:off x="7761443" y="2624893"/>
+              <a:ext cx="1628593" cy="400110"/>
+            </a:xfrm>
+            <a:prstGeom prst="rect">
+              <a:avLst/>
+            </a:prstGeom>
+            <a:noFill/>
+          </p:spPr>
+          <p:txBody>
+            <a:bodyPr wrap="square" rtlCol="0">
+              <a:spAutoFit/>
+            </a:bodyPr>
+            <a:lstStyle/>
+            <a:p>
+              <a:r>
+                <a:rPr lang="en-US" altLang="zh-CN" sz="2000" dirty="0" smtClean="0">
+                  <a:solidFill>
+                    <a:srgbClr val="FF0000"/>
+                  </a:solidFill>
+                  <a:latin typeface="Arial Black" panose="020B0A04020102020204" pitchFamily="34" charset="0"/>
+                </a:rPr>
+                <a:t>Recovery</a:t>
+              </a:r>
+              <a:endParaRPr lang="zh-CN" altLang="en-US" sz="2000" dirty="0" smtClean="0">
+                <a:solidFill>
+                  <a:srgbClr val="FF0000"/>
+                </a:solidFill>
+                <a:latin typeface="Arial Black" panose="020B0A04020102020204" pitchFamily="34" charset="0"/>
+              </a:endParaRPr>
+            </a:p>
+          </p:txBody>
+        </p:sp>
+        <p:grpSp>
+          <p:nvGrpSpPr>
+            <p:cNvPr id="45" name="组合 44"/>
+            <p:cNvGrpSpPr/>
+            <p:nvPr/>
+          </p:nvGrpSpPr>
+          <p:grpSpPr>
+            <a:xfrm>
+              <a:off x="830730" y="626505"/>
+              <a:ext cx="2229970" cy="1124600"/>
+              <a:chOff x="7736046" y="1896505"/>
+              <a:chExt cx="2229970" cy="1124600"/>
+            </a:xfrm>
+          </p:grpSpPr>
+          <p:cxnSp>
+            <p:nvCxnSpPr>
+              <p:cNvPr id="48" name="直接连接符 47"/>
+              <p:cNvCxnSpPr/>
+              <p:nvPr/>
+            </p:nvCxnSpPr>
+            <p:spPr>
+              <a:xfrm>
+                <a:off x="8601140" y="2339788"/>
+                <a:ext cx="0" cy="681317"/>
+              </a:xfrm>
+              <a:prstGeom prst="line">
+                <a:avLst/>
+              </a:prstGeom>
+              <a:ln w="31750">
+                <a:solidFill>
+                  <a:schemeClr val="tx1"/>
+                </a:solidFill>
+                <a:prstDash val="dash"/>
+                <a:headEnd type="none" w="med" len="lg"/>
+                <a:tailEnd type="triangle" w="lg" len="lg"/>
+              </a:ln>
+            </p:spPr>
+            <p:style>
+              <a:lnRef idx="1">
+                <a:schemeClr val="accent1"/>
+              </a:lnRef>
+              <a:fillRef idx="0">
+                <a:schemeClr val="accent1"/>
+              </a:fillRef>
+              <a:effectRef idx="0">
+                <a:schemeClr val="accent1"/>
+              </a:effectRef>
+              <a:fontRef idx="minor">
+                <a:schemeClr val="tx1"/>
+              </a:fontRef>
+            </p:style>
+          </p:cxnSp>
+          <p:sp>
+            <p:nvSpPr>
+              <p:cNvPr id="49" name="文本框 48"/>
+              <p:cNvSpPr txBox="1"/>
+              <p:nvPr/>
+            </p:nvSpPr>
+            <p:spPr>
+              <a:xfrm>
+                <a:off x="7736046" y="1896505"/>
+                <a:ext cx="2229970" cy="400110"/>
+              </a:xfrm>
+              <a:prstGeom prst="rect">
+                <a:avLst/>
+              </a:prstGeom>
+              <a:noFill/>
+            </p:spPr>
+            <p:txBody>
+              <a:bodyPr wrap="square" rtlCol="0">
+                <a:spAutoFit/>
+              </a:bodyPr>
+              <a:lstStyle/>
+              <a:p>
+                <a:r>
+                  <a:rPr lang="en-US" altLang="zh-CN" sz="2000" dirty="0" smtClean="0">
+                    <a:latin typeface="Arial Black" panose="020B0A04020102020204" pitchFamily="34" charset="0"/>
+                  </a:rPr>
+                  <a:t>Checkpoint 3</a:t>
+                </a:r>
+                <a:endParaRPr lang="zh-CN" altLang="en-US" sz="2000" dirty="0" smtClean="0">
+                  <a:latin typeface="Arial Black" panose="020B0A04020102020204" pitchFamily="34" charset="0"/>
+                </a:endParaRPr>
+              </a:p>
+            </p:txBody>
+          </p:sp>
+        </p:grpSp>
+        <p:cxnSp>
+          <p:nvCxnSpPr>
+            <p:cNvPr id="46" name="直接箭头连接符 45"/>
+            <p:cNvCxnSpPr/>
+            <p:nvPr/>
+          </p:nvCxnSpPr>
+          <p:spPr>
+            <a:xfrm flipV="1">
+              <a:off x="8581927" y="1930399"/>
+              <a:ext cx="0" cy="694495"/>
+            </a:xfrm>
+            <a:prstGeom prst="straightConnector1">
+              <a:avLst/>
+            </a:prstGeom>
+            <a:ln w="31750" cmpd="sng">
+              <a:solidFill>
+                <a:srgbClr val="FF0000"/>
+              </a:solidFill>
+              <a:prstDash val="solid"/>
+              <a:headEnd type="none" w="med" len="lg"/>
+              <a:tailEnd type="triangle" w="lg" len="lg"/>
+            </a:ln>
+          </p:spPr>
+          <p:style>
+            <a:lnRef idx="1">
+              <a:schemeClr val="accent1"/>
+            </a:lnRef>
+            <a:fillRef idx="0">
+              <a:schemeClr val="accent1"/>
+            </a:fillRef>
+            <a:effectRef idx="0">
+              <a:schemeClr val="accent1"/>
+            </a:effectRef>
+            <a:fontRef idx="minor">
+              <a:schemeClr val="tx1"/>
+            </a:fontRef>
+          </p:style>
+        </p:cxnSp>
+        <p:sp>
+          <p:nvSpPr>
+            <p:cNvPr id="47" name="文本框 46"/>
+            <p:cNvSpPr txBox="1"/>
+            <p:nvPr/>
+          </p:nvSpPr>
+          <p:spPr>
+            <a:xfrm>
+              <a:off x="10536521" y="364895"/>
+              <a:ext cx="1433108" cy="523220"/>
+            </a:xfrm>
+            <a:prstGeom prst="rect">
+              <a:avLst/>
+            </a:prstGeom>
+            <a:noFill/>
+          </p:spPr>
+          <p:txBody>
+            <a:bodyPr wrap="square" rtlCol="0">
+              <a:spAutoFit/>
+            </a:bodyPr>
+            <a:lstStyle/>
+            <a:p>
+              <a:r>
+                <a:rPr lang="zh-CN" altLang="en-US" sz="2800" b="1" i="1" dirty="0" smtClean="0">
+                  <a:solidFill>
+                    <a:srgbClr val="FF5050"/>
+                  </a:solidFill>
+                  <a:latin typeface="微软雅黑" panose="020B0503020204020204" pitchFamily="34" charset="-122"/>
+                  <a:ea typeface="微软雅黑" panose="020B0503020204020204" pitchFamily="34" charset="-122"/>
+                </a:rPr>
+                <a:t>故障后</a:t>
+              </a:r>
+              <a:endParaRPr lang="zh-CN" altLang="en-US" sz="2800" b="1" i="1" dirty="0" smtClean="0">
+                <a:solidFill>
+                  <a:srgbClr val="FF5050"/>
+                </a:solidFill>
+                <a:latin typeface="微软雅黑" panose="020B0503020204020204" pitchFamily="34" charset="-122"/>
+                <a:ea typeface="微软雅黑" panose="020B0503020204020204" pitchFamily="34" charset="-122"/>
+              </a:endParaRPr>
+            </a:p>
+          </p:txBody>
+        </p:sp>
+        <p:sp>
+          <p:nvSpPr>
+            <p:cNvPr id="58" name="文本框 57"/>
+            <p:cNvSpPr txBox="1"/>
+            <p:nvPr/>
+          </p:nvSpPr>
+          <p:spPr>
+            <a:xfrm>
+              <a:off x="8167474" y="1124628"/>
+              <a:ext cx="1082984" cy="338554"/>
+            </a:xfrm>
+            <a:prstGeom prst="rect">
+              <a:avLst/>
+            </a:prstGeom>
+            <a:noFill/>
+          </p:spPr>
+          <p:txBody>
+            <a:bodyPr wrap="square" rtlCol="0">
+              <a:spAutoFit/>
+            </a:bodyPr>
+            <a:lstStyle/>
+            <a:p>
+              <a:r>
+                <a:rPr lang="zh-CN" altLang="en-US" sz="1600" b="1" i="1" dirty="0">
+                  <a:solidFill>
+                    <a:srgbClr val="FF5050"/>
+                  </a:solidFill>
+                  <a:latin typeface="微软雅黑" panose="020B0503020204020204" pitchFamily="34" charset="-122"/>
+                  <a:ea typeface="微软雅黑" panose="020B0503020204020204" pitchFamily="34" charset="-122"/>
+                </a:rPr>
+                <a:t>重复消费</a:t>
+              </a:r>
+              <a:endParaRPr lang="zh-CN" altLang="en-US" sz="1600" b="1" i="1" dirty="0" smtClean="0">
+                <a:solidFill>
+                  <a:srgbClr val="FF5050"/>
+                </a:solidFill>
+                <a:latin typeface="微软雅黑" panose="020B0503020204020204" pitchFamily="34" charset="-122"/>
+                <a:ea typeface="微软雅黑" panose="020B0503020204020204" pitchFamily="34" charset="-122"/>
+              </a:endParaRPr>
+            </a:p>
+          </p:txBody>
+        </p:sp>
+      </p:grpSp>
+      <p:sp>
+        <p:nvSpPr>
+          <p:cNvPr id="57" name="椭圆 56"/>
+          <p:cNvSpPr/>
+          <p:nvPr/>
+        </p:nvSpPr>
+        <p:spPr>
+          <a:xfrm>
+            <a:off x="6825635" y="4478171"/>
+            <a:ext cx="1719977" cy="959590"/>
+          </a:xfrm>
+          <a:prstGeom prst="ellipse">
+            <a:avLst/>
+          </a:prstGeom>
+          <a:noFill/>
+          <a:ln>
+            <a:solidFill>
+              <a:srgbClr val="FF0000"/>
+            </a:solidFill>
+          </a:ln>
+          <a:effectLst>
+            <a:outerShdw blurRad="50800" dist="38100" dir="2700000" algn="tl" rotWithShape="0">
+              <a:prstClr val="black">
+                <a:alpha val="40000"/>
+              </a:prstClr>
+            </a:outerShdw>
+          </a:effectLst>
+        </p:spPr>
+        <p:style>
+          <a:lnRef idx="2">
+            <a:schemeClr val="accent1">
+              <a:shade val="50000"/>
+            </a:schemeClr>
+          </a:lnRef>
+          <a:fillRef idx="1">
+            <a:schemeClr val="accent1"/>
+          </a:fillRef>
+          <a:effectRef idx="0">
+            <a:schemeClr val="accent1"/>
+          </a:effectRef>
+          <a:fontRef idx="minor">
+            <a:schemeClr val="lt1"/>
+          </a:fontRef>
+        </p:style>
+        <p:txBody>
+          <a:bodyPr rot="0" spcFirstLastPara="0" vertOverflow="overflow" horzOverflow="overflow" vert="horz" wrap="square" lIns="91440" tIns="45720" rIns="91440" bIns="45720" numCol="1" spcCol="0" rtlCol="0" fromWordArt="0" anchor="ctr" anchorCtr="0" forceAA="0" compatLnSpc="1">
+            <a:prstTxWarp prst="textNoShape">
+              <a:avLst/>
+            </a:prstTxWarp>
+            <a:noAutofit/>
+          </a:bodyPr>
+          <a:lstStyle/>
+          <a:p>
+            <a:pPr algn="ctr"/>
+            <a:endParaRPr lang="zh-CN" altLang="en-US" dirty="0" smtClean="0">
+              <a:latin typeface="Arial Black" panose="020B0A04020102020204" pitchFamily="34" charset="0"/>
+            </a:endParaRPr>
+          </a:p>
+        </p:txBody>
+      </p:sp>
+    </p:spTree>
+    <p:extLst>
+      <p:ext uri="{BB962C8B-B14F-4D97-AF65-F5344CB8AC3E}">
+        <p14:creationId xmlns:p14="http://schemas.microsoft.com/office/powerpoint/2010/main" val="1251148352"/>
+      </p:ext>
+    </p:extLst>
+  </p:cSld>
+  <p:clrMapOvr>
+    <a:masterClrMapping/>
+  </p:clrMapOvr>
+</p:sld>
+</file>
+
 <file path=ppt/theme/theme1.xml><?xml version="1.0" encoding="utf-8"?>
 <a:theme xmlns:a="http://schemas.openxmlformats.org/drawingml/2006/main" name="Office 主题​​">
   <a:themeElements>
